--- a/docs/第1回アルゴリズムとは何か.pptx
+++ b/docs/第1回アルゴリズムとは何か.pptx
@@ -16,8 +16,9 @@
     <p:sldId id="264" r:id="rId10"/>
     <p:sldId id="265" r:id="rId11"/>
     <p:sldId id="266" r:id="rId12"/>
-    <p:sldId id="267" r:id="rId13"/>
-    <p:sldId id="268" r:id="rId14"/>
+    <p:sldId id="269" r:id="rId13"/>
+    <p:sldId id="267" r:id="rId14"/>
+    <p:sldId id="268" r:id="rId15"/>
   </p:sldIdLst>
   <p:sldSz cx="12192000" cy="6858000"/>
   <p:notesSz cx="6858000" cy="9144000"/>
@@ -255,7 +256,7 @@
           <a:p>
             <a:fld id="{BC217E9B-DFCD-4DFE-B7ED-A5F6001EB7CB}" type="datetimeFigureOut">
               <a:rPr kumimoji="1" lang="ja-JP" altLang="en-US" smtClean="0"/>
-              <a:t>2019/3/28</a:t>
+              <a:t>2019/4/6</a:t>
             </a:fld>
             <a:endParaRPr kumimoji="1" lang="ja-JP" altLang="en-US"/>
           </a:p>
@@ -457,7 +458,7 @@
           <a:p>
             <a:fld id="{BC217E9B-DFCD-4DFE-B7ED-A5F6001EB7CB}" type="datetimeFigureOut">
               <a:rPr kumimoji="1" lang="ja-JP" altLang="en-US" smtClean="0"/>
-              <a:t>2019/3/28</a:t>
+              <a:t>2019/4/6</a:t>
             </a:fld>
             <a:endParaRPr kumimoji="1" lang="ja-JP" altLang="en-US"/>
           </a:p>
@@ -669,7 +670,7 @@
           <a:p>
             <a:fld id="{BC217E9B-DFCD-4DFE-B7ED-A5F6001EB7CB}" type="datetimeFigureOut">
               <a:rPr kumimoji="1" lang="ja-JP" altLang="en-US" smtClean="0"/>
-              <a:t>2019/3/28</a:t>
+              <a:t>2019/4/6</a:t>
             </a:fld>
             <a:endParaRPr kumimoji="1" lang="ja-JP" altLang="en-US"/>
           </a:p>
@@ -871,7 +872,7 @@
           <a:p>
             <a:fld id="{BC217E9B-DFCD-4DFE-B7ED-A5F6001EB7CB}" type="datetimeFigureOut">
               <a:rPr kumimoji="1" lang="ja-JP" altLang="en-US" smtClean="0"/>
-              <a:t>2019/3/28</a:t>
+              <a:t>2019/4/6</a:t>
             </a:fld>
             <a:endParaRPr kumimoji="1" lang="ja-JP" altLang="en-US"/>
           </a:p>
@@ -1117,7 +1118,7 @@
           <a:p>
             <a:fld id="{BC217E9B-DFCD-4DFE-B7ED-A5F6001EB7CB}" type="datetimeFigureOut">
               <a:rPr kumimoji="1" lang="ja-JP" altLang="en-US" smtClean="0"/>
-              <a:t>2019/3/28</a:t>
+              <a:t>2019/4/6</a:t>
             </a:fld>
             <a:endParaRPr kumimoji="1" lang="ja-JP" altLang="en-US"/>
           </a:p>
@@ -1413,7 +1414,7 @@
           <a:p>
             <a:fld id="{BC217E9B-DFCD-4DFE-B7ED-A5F6001EB7CB}" type="datetimeFigureOut">
               <a:rPr kumimoji="1" lang="ja-JP" altLang="en-US" smtClean="0"/>
-              <a:t>2019/3/28</a:t>
+              <a:t>2019/4/6</a:t>
             </a:fld>
             <a:endParaRPr kumimoji="1" lang="ja-JP" altLang="en-US"/>
           </a:p>
@@ -1844,7 +1845,7 @@
           <a:p>
             <a:fld id="{BC217E9B-DFCD-4DFE-B7ED-A5F6001EB7CB}" type="datetimeFigureOut">
               <a:rPr kumimoji="1" lang="ja-JP" altLang="en-US" smtClean="0"/>
-              <a:t>2019/3/28</a:t>
+              <a:t>2019/4/6</a:t>
             </a:fld>
             <a:endParaRPr kumimoji="1" lang="ja-JP" altLang="en-US"/>
           </a:p>
@@ -1962,7 +1963,7 @@
           <a:p>
             <a:fld id="{BC217E9B-DFCD-4DFE-B7ED-A5F6001EB7CB}" type="datetimeFigureOut">
               <a:rPr kumimoji="1" lang="ja-JP" altLang="en-US" smtClean="0"/>
-              <a:t>2019/3/28</a:t>
+              <a:t>2019/4/6</a:t>
             </a:fld>
             <a:endParaRPr kumimoji="1" lang="ja-JP" altLang="en-US"/>
           </a:p>
@@ -2057,7 +2058,7 @@
           <a:p>
             <a:fld id="{BC217E9B-DFCD-4DFE-B7ED-A5F6001EB7CB}" type="datetimeFigureOut">
               <a:rPr kumimoji="1" lang="ja-JP" altLang="en-US" smtClean="0"/>
-              <a:t>2019/3/28</a:t>
+              <a:t>2019/4/6</a:t>
             </a:fld>
             <a:endParaRPr kumimoji="1" lang="ja-JP" altLang="en-US"/>
           </a:p>
@@ -2366,7 +2367,7 @@
           <a:p>
             <a:fld id="{BC217E9B-DFCD-4DFE-B7ED-A5F6001EB7CB}" type="datetimeFigureOut">
               <a:rPr kumimoji="1" lang="ja-JP" altLang="en-US" smtClean="0"/>
-              <a:t>2019/3/28</a:t>
+              <a:t>2019/4/6</a:t>
             </a:fld>
             <a:endParaRPr kumimoji="1" lang="ja-JP" altLang="en-US"/>
           </a:p>
@@ -2619,7 +2620,7 @@
           <a:p>
             <a:fld id="{BC217E9B-DFCD-4DFE-B7ED-A5F6001EB7CB}" type="datetimeFigureOut">
               <a:rPr kumimoji="1" lang="ja-JP" altLang="en-US" smtClean="0"/>
-              <a:t>2019/3/28</a:t>
+              <a:t>2019/4/6</a:t>
             </a:fld>
             <a:endParaRPr kumimoji="1" lang="ja-JP" altLang="en-US"/>
           </a:p>
@@ -2864,7 +2865,7 @@
           <a:p>
             <a:fld id="{BC217E9B-DFCD-4DFE-B7ED-A5F6001EB7CB}" type="datetimeFigureOut">
               <a:rPr kumimoji="1" lang="ja-JP" altLang="en-US" smtClean="0"/>
-              <a:t>2019/3/28</a:t>
+              <a:t>2019/4/6</a:t>
             </a:fld>
             <a:endParaRPr kumimoji="1" lang="ja-JP" altLang="en-US"/>
           </a:p>
@@ -3648,6 +3649,66 @@
         </p:nvSpPr>
         <p:spPr>
           <a:xfrm>
+            <a:off x="1011173" y="2613090"/>
+            <a:ext cx="10676522" cy="919819"/>
+          </a:xfrm>
+        </p:spPr>
+        <p:txBody>
+          <a:bodyPr>
+            <a:normAutofit fontScale="90000"/>
+          </a:bodyPr>
+          <a:lstStyle/>
+          <a:p>
+            <a:r>
+              <a:rPr lang="ja-JP" altLang="en-US" dirty="0" smtClean="0"/>
+              <a:t>なんでもいいので好きなプログラム作って！</a:t>
+            </a:r>
+            <a:endParaRPr kumimoji="1" lang="ja-JP" altLang="en-US" dirty="0"/>
+          </a:p>
+        </p:txBody>
+      </p:sp>
+    </p:spTree>
+    <p:extLst>
+      <p:ext uri="{BB962C8B-B14F-4D97-AF65-F5344CB8AC3E}">
+        <p14:creationId xmlns:p14="http://schemas.microsoft.com/office/powerpoint/2010/main" val="1421830598"/>
+      </p:ext>
+    </p:extLst>
+  </p:cSld>
+  <p:clrMapOvr>
+    <a:masterClrMapping/>
+  </p:clrMapOvr>
+</p:sld>
+</file>
+
+<file path=ppt/slides/slide13.xml><?xml version="1.0" encoding="utf-8"?>
+<p:sld xmlns:a="http://schemas.openxmlformats.org/drawingml/2006/main" xmlns:r="http://schemas.openxmlformats.org/officeDocument/2006/relationships" xmlns:p="http://schemas.openxmlformats.org/presentationml/2006/main">
+  <p:cSld>
+    <p:spTree>
+      <p:nvGrpSpPr>
+        <p:cNvPr id="1" name=""/>
+        <p:cNvGrpSpPr/>
+        <p:nvPr/>
+      </p:nvGrpSpPr>
+      <p:grpSpPr>
+        <a:xfrm>
+          <a:off x="0" y="0"/>
+          <a:ext cx="0" cy="0"/>
+          <a:chOff x="0" y="0"/>
+          <a:chExt cx="0" cy="0"/>
+        </a:xfrm>
+      </p:grpSpPr>
+      <p:sp>
+        <p:nvSpPr>
+          <p:cNvPr id="2" name="タイトル 1"/>
+          <p:cNvSpPr>
+            <a:spLocks noGrp="1"/>
+          </p:cNvSpPr>
+          <p:nvPr>
+            <p:ph type="title"/>
+          </p:nvPr>
+        </p:nvSpPr>
+        <p:spPr>
+          <a:xfrm>
             <a:off x="825674" y="202287"/>
             <a:ext cx="10515600" cy="1325563"/>
           </a:xfrm>
@@ -3788,7 +3849,7 @@
 </p:sld>
 </file>
 
-<file path=ppt/slides/slide13.xml><?xml version="1.0" encoding="utf-8"?>
+<file path=ppt/slides/slide14.xml><?xml version="1.0" encoding="utf-8"?>
 <p:sld xmlns:a="http://schemas.openxmlformats.org/drawingml/2006/main" xmlns:r="http://schemas.openxmlformats.org/officeDocument/2006/relationships" xmlns:p="http://schemas.openxmlformats.org/presentationml/2006/main">
   <p:cSld>
     <p:spTree>
@@ -4067,11 +4128,7 @@
             </a:r>
             <a:r>
               <a:rPr lang="ja-JP" altLang="en-US" sz="3600" smtClean="0"/>
-              <a:t>と</a:t>
-            </a:r>
-            <a:r>
-              <a:rPr lang="ja-JP" altLang="en-US" sz="3600" smtClean="0"/>
-              <a:t>定数</a:t>
+              <a:t>と定数</a:t>
             </a:r>
             <a:endParaRPr kumimoji="1" lang="en-US" altLang="ja-JP" sz="3600" dirty="0" smtClean="0"/>
           </a:p>

--- a/docs/第1回アルゴリズムとは何か.pptx
+++ b/docs/第1回アルゴリズムとは何か.pptx
@@ -16,9 +16,9 @@
     <p:sldId id="264" r:id="rId10"/>
     <p:sldId id="265" r:id="rId11"/>
     <p:sldId id="266" r:id="rId12"/>
-    <p:sldId id="269" r:id="rId13"/>
-    <p:sldId id="267" r:id="rId14"/>
-    <p:sldId id="268" r:id="rId15"/>
+    <p:sldId id="267" r:id="rId13"/>
+    <p:sldId id="268" r:id="rId14"/>
+    <p:sldId id="269" r:id="rId15"/>
   </p:sldIdLst>
   <p:sldSz cx="12192000" cy="6858000"/>
   <p:notesSz cx="6858000" cy="9144000"/>
@@ -256,7 +256,7 @@
           <a:p>
             <a:fld id="{BC217E9B-DFCD-4DFE-B7ED-A5F6001EB7CB}" type="datetimeFigureOut">
               <a:rPr kumimoji="1" lang="ja-JP" altLang="en-US" smtClean="0"/>
-              <a:t>2019/4/6</a:t>
+              <a:t>2019/4/15</a:t>
             </a:fld>
             <a:endParaRPr kumimoji="1" lang="ja-JP" altLang="en-US"/>
           </a:p>
@@ -458,7 +458,7 @@
           <a:p>
             <a:fld id="{BC217E9B-DFCD-4DFE-B7ED-A5F6001EB7CB}" type="datetimeFigureOut">
               <a:rPr kumimoji="1" lang="ja-JP" altLang="en-US" smtClean="0"/>
-              <a:t>2019/4/6</a:t>
+              <a:t>2019/4/15</a:t>
             </a:fld>
             <a:endParaRPr kumimoji="1" lang="ja-JP" altLang="en-US"/>
           </a:p>
@@ -670,7 +670,7 @@
           <a:p>
             <a:fld id="{BC217E9B-DFCD-4DFE-B7ED-A5F6001EB7CB}" type="datetimeFigureOut">
               <a:rPr kumimoji="1" lang="ja-JP" altLang="en-US" smtClean="0"/>
-              <a:t>2019/4/6</a:t>
+              <a:t>2019/4/15</a:t>
             </a:fld>
             <a:endParaRPr kumimoji="1" lang="ja-JP" altLang="en-US"/>
           </a:p>
@@ -872,7 +872,7 @@
           <a:p>
             <a:fld id="{BC217E9B-DFCD-4DFE-B7ED-A5F6001EB7CB}" type="datetimeFigureOut">
               <a:rPr kumimoji="1" lang="ja-JP" altLang="en-US" smtClean="0"/>
-              <a:t>2019/4/6</a:t>
+              <a:t>2019/4/15</a:t>
             </a:fld>
             <a:endParaRPr kumimoji="1" lang="ja-JP" altLang="en-US"/>
           </a:p>
@@ -1118,7 +1118,7 @@
           <a:p>
             <a:fld id="{BC217E9B-DFCD-4DFE-B7ED-A5F6001EB7CB}" type="datetimeFigureOut">
               <a:rPr kumimoji="1" lang="ja-JP" altLang="en-US" smtClean="0"/>
-              <a:t>2019/4/6</a:t>
+              <a:t>2019/4/15</a:t>
             </a:fld>
             <a:endParaRPr kumimoji="1" lang="ja-JP" altLang="en-US"/>
           </a:p>
@@ -1414,7 +1414,7 @@
           <a:p>
             <a:fld id="{BC217E9B-DFCD-4DFE-B7ED-A5F6001EB7CB}" type="datetimeFigureOut">
               <a:rPr kumimoji="1" lang="ja-JP" altLang="en-US" smtClean="0"/>
-              <a:t>2019/4/6</a:t>
+              <a:t>2019/4/15</a:t>
             </a:fld>
             <a:endParaRPr kumimoji="1" lang="ja-JP" altLang="en-US"/>
           </a:p>
@@ -1845,7 +1845,7 @@
           <a:p>
             <a:fld id="{BC217E9B-DFCD-4DFE-B7ED-A5F6001EB7CB}" type="datetimeFigureOut">
               <a:rPr kumimoji="1" lang="ja-JP" altLang="en-US" smtClean="0"/>
-              <a:t>2019/4/6</a:t>
+              <a:t>2019/4/15</a:t>
             </a:fld>
             <a:endParaRPr kumimoji="1" lang="ja-JP" altLang="en-US"/>
           </a:p>
@@ -1963,7 +1963,7 @@
           <a:p>
             <a:fld id="{BC217E9B-DFCD-4DFE-B7ED-A5F6001EB7CB}" type="datetimeFigureOut">
               <a:rPr kumimoji="1" lang="ja-JP" altLang="en-US" smtClean="0"/>
-              <a:t>2019/4/6</a:t>
+              <a:t>2019/4/15</a:t>
             </a:fld>
             <a:endParaRPr kumimoji="1" lang="ja-JP" altLang="en-US"/>
           </a:p>
@@ -2058,7 +2058,7 @@
           <a:p>
             <a:fld id="{BC217E9B-DFCD-4DFE-B7ED-A5F6001EB7CB}" type="datetimeFigureOut">
               <a:rPr kumimoji="1" lang="ja-JP" altLang="en-US" smtClean="0"/>
-              <a:t>2019/4/6</a:t>
+              <a:t>2019/4/15</a:t>
             </a:fld>
             <a:endParaRPr kumimoji="1" lang="ja-JP" altLang="en-US"/>
           </a:p>
@@ -2367,7 +2367,7 @@
           <a:p>
             <a:fld id="{BC217E9B-DFCD-4DFE-B7ED-A5F6001EB7CB}" type="datetimeFigureOut">
               <a:rPr kumimoji="1" lang="ja-JP" altLang="en-US" smtClean="0"/>
-              <a:t>2019/4/6</a:t>
+              <a:t>2019/4/15</a:t>
             </a:fld>
             <a:endParaRPr kumimoji="1" lang="ja-JP" altLang="en-US"/>
           </a:p>
@@ -2620,7 +2620,7 @@
           <a:p>
             <a:fld id="{BC217E9B-DFCD-4DFE-B7ED-A5F6001EB7CB}" type="datetimeFigureOut">
               <a:rPr kumimoji="1" lang="ja-JP" altLang="en-US" smtClean="0"/>
-              <a:t>2019/4/6</a:t>
+              <a:t>2019/4/15</a:t>
             </a:fld>
             <a:endParaRPr kumimoji="1" lang="ja-JP" altLang="en-US"/>
           </a:p>
@@ -2865,7 +2865,7 @@
           <a:p>
             <a:fld id="{BC217E9B-DFCD-4DFE-B7ED-A5F6001EB7CB}" type="datetimeFigureOut">
               <a:rPr kumimoji="1" lang="ja-JP" altLang="en-US" smtClean="0"/>
-              <a:t>2019/4/6</a:t>
+              <a:t>2019/4/15</a:t>
             </a:fld>
             <a:endParaRPr kumimoji="1" lang="ja-JP" altLang="en-US"/>
           </a:p>
@@ -3649,66 +3649,6 @@
         </p:nvSpPr>
         <p:spPr>
           <a:xfrm>
-            <a:off x="1011173" y="2613090"/>
-            <a:ext cx="10676522" cy="919819"/>
-          </a:xfrm>
-        </p:spPr>
-        <p:txBody>
-          <a:bodyPr>
-            <a:normAutofit fontScale="90000"/>
-          </a:bodyPr>
-          <a:lstStyle/>
-          <a:p>
-            <a:r>
-              <a:rPr lang="ja-JP" altLang="en-US" dirty="0" smtClean="0"/>
-              <a:t>なんでもいいので好きなプログラム作って！</a:t>
-            </a:r>
-            <a:endParaRPr kumimoji="1" lang="ja-JP" altLang="en-US" dirty="0"/>
-          </a:p>
-        </p:txBody>
-      </p:sp>
-    </p:spTree>
-    <p:extLst>
-      <p:ext uri="{BB962C8B-B14F-4D97-AF65-F5344CB8AC3E}">
-        <p14:creationId xmlns:p14="http://schemas.microsoft.com/office/powerpoint/2010/main" val="1421830598"/>
-      </p:ext>
-    </p:extLst>
-  </p:cSld>
-  <p:clrMapOvr>
-    <a:masterClrMapping/>
-  </p:clrMapOvr>
-</p:sld>
-</file>
-
-<file path=ppt/slides/slide13.xml><?xml version="1.0" encoding="utf-8"?>
-<p:sld xmlns:a="http://schemas.openxmlformats.org/drawingml/2006/main" xmlns:r="http://schemas.openxmlformats.org/officeDocument/2006/relationships" xmlns:p="http://schemas.openxmlformats.org/presentationml/2006/main">
-  <p:cSld>
-    <p:spTree>
-      <p:nvGrpSpPr>
-        <p:cNvPr id="1" name=""/>
-        <p:cNvGrpSpPr/>
-        <p:nvPr/>
-      </p:nvGrpSpPr>
-      <p:grpSpPr>
-        <a:xfrm>
-          <a:off x="0" y="0"/>
-          <a:ext cx="0" cy="0"/>
-          <a:chOff x="0" y="0"/>
-          <a:chExt cx="0" cy="0"/>
-        </a:xfrm>
-      </p:grpSpPr>
-      <p:sp>
-        <p:nvSpPr>
-          <p:cNvPr id="2" name="タイトル 1"/>
-          <p:cNvSpPr>
-            <a:spLocks noGrp="1"/>
-          </p:cNvSpPr>
-          <p:nvPr>
-            <p:ph type="title"/>
-          </p:nvPr>
-        </p:nvSpPr>
-        <p:spPr>
-          <a:xfrm>
             <a:off x="825674" y="202287"/>
             <a:ext cx="10515600" cy="1325563"/>
           </a:xfrm>
@@ -3849,7 +3789,7 @@
 </p:sld>
 </file>
 
-<file path=ppt/slides/slide14.xml><?xml version="1.0" encoding="utf-8"?>
+<file path=ppt/slides/slide13.xml><?xml version="1.0" encoding="utf-8"?>
 <p:sld xmlns:a="http://schemas.openxmlformats.org/drawingml/2006/main" xmlns:r="http://schemas.openxmlformats.org/officeDocument/2006/relationships" xmlns:p="http://schemas.openxmlformats.org/presentationml/2006/main">
   <p:cSld>
     <p:spTree>
@@ -4014,6 +3954,104 @@
     <p:extLst>
       <p:ext uri="{BB962C8B-B14F-4D97-AF65-F5344CB8AC3E}">
         <p14:creationId xmlns:p14="http://schemas.microsoft.com/office/powerpoint/2010/main" val="1577899885"/>
+      </p:ext>
+    </p:extLst>
+  </p:cSld>
+  <p:clrMapOvr>
+    <a:masterClrMapping/>
+  </p:clrMapOvr>
+</p:sld>
+</file>
+
+<file path=ppt/slides/slide14.xml><?xml version="1.0" encoding="utf-8"?>
+<p:sld xmlns:a="http://schemas.openxmlformats.org/drawingml/2006/main" xmlns:r="http://schemas.openxmlformats.org/officeDocument/2006/relationships" xmlns:p="http://schemas.openxmlformats.org/presentationml/2006/main">
+  <p:cSld>
+    <p:spTree>
+      <p:nvGrpSpPr>
+        <p:cNvPr id="1" name=""/>
+        <p:cNvGrpSpPr/>
+        <p:nvPr/>
+      </p:nvGrpSpPr>
+      <p:grpSpPr>
+        <a:xfrm>
+          <a:off x="0" y="0"/>
+          <a:ext cx="0" cy="0"/>
+          <a:chOff x="0" y="0"/>
+          <a:chExt cx="0" cy="0"/>
+        </a:xfrm>
+      </p:grpSpPr>
+      <p:sp>
+        <p:nvSpPr>
+          <p:cNvPr id="2" name="タイトル 1"/>
+          <p:cNvSpPr>
+            <a:spLocks noGrp="1"/>
+          </p:cNvSpPr>
+          <p:nvPr>
+            <p:ph type="title"/>
+          </p:nvPr>
+        </p:nvSpPr>
+        <p:spPr/>
+        <p:txBody>
+          <a:bodyPr/>
+          <a:lstStyle/>
+          <a:p>
+            <a:r>
+              <a:rPr kumimoji="1" lang="ja-JP" altLang="en-US" dirty="0" smtClean="0"/>
+              <a:t>まとめ</a:t>
+            </a:r>
+            <a:endParaRPr kumimoji="1" lang="ja-JP" altLang="en-US" dirty="0"/>
+          </a:p>
+        </p:txBody>
+      </p:sp>
+      <p:sp>
+        <p:nvSpPr>
+          <p:cNvPr id="3" name="テキスト ボックス 2"/>
+          <p:cNvSpPr txBox="1"/>
+          <p:nvPr/>
+        </p:nvSpPr>
+        <p:spPr>
+          <a:xfrm>
+            <a:off x="1413163" y="2435629"/>
+            <a:ext cx="9161482" cy="954107"/>
+          </a:xfrm>
+          <a:prstGeom prst="rect">
+            <a:avLst/>
+          </a:prstGeom>
+          <a:noFill/>
+        </p:spPr>
+        <p:txBody>
+          <a:bodyPr wrap="none" rtlCol="0">
+            <a:spAutoFit/>
+          </a:bodyPr>
+          <a:lstStyle/>
+          <a:p>
+            <a:r>
+              <a:rPr lang="ja-JP" altLang="en-US" sz="2800" dirty="0"/>
+              <a:t>変数　　数字や文字を入れる</a:t>
+            </a:r>
+            <a:r>
+              <a:rPr lang="ja-JP" altLang="en-US" sz="2800" dirty="0" smtClean="0"/>
+              <a:t>箱である。</a:t>
+            </a:r>
+            <a:endParaRPr lang="ja-JP" altLang="en-US" sz="2800" dirty="0"/>
+          </a:p>
+          <a:p>
+            <a:r>
+              <a:rPr lang="ja-JP" altLang="en-US" sz="2800" dirty="0"/>
+              <a:t>型と宣言　　型には整数や、実数、文字や論理型が</a:t>
+            </a:r>
+            <a:r>
+              <a:rPr lang="ja-JP" altLang="en-US" sz="2800" dirty="0" smtClean="0"/>
+              <a:t>ある</a:t>
+            </a:r>
+            <a:endParaRPr lang="ja-JP" altLang="en-US" sz="2800" dirty="0"/>
+          </a:p>
+        </p:txBody>
+      </p:sp>
+    </p:spTree>
+    <p:extLst>
+      <p:ext uri="{BB962C8B-B14F-4D97-AF65-F5344CB8AC3E}">
+        <p14:creationId xmlns:p14="http://schemas.microsoft.com/office/powerpoint/2010/main" val="363371487"/>
       </p:ext>
     </p:extLst>
   </p:cSld>
